--- a/docs/presentation.pptx
+++ b/docs/presentation.pptx
@@ -7,8 +7,13 @@
   <p:sldIdLst>
     <p:sldId id="256" r:id="rId2"/>
     <p:sldId id="257" r:id="rId3"/>
-    <p:sldId id="259" r:id="rId4"/>
-    <p:sldId id="258" r:id="rId5"/>
+    <p:sldId id="261" r:id="rId4"/>
+    <p:sldId id="262" r:id="rId5"/>
+    <p:sldId id="263" r:id="rId6"/>
+    <p:sldId id="264" r:id="rId7"/>
+    <p:sldId id="260" r:id="rId8"/>
+    <p:sldId id="259" r:id="rId9"/>
+    <p:sldId id="258" r:id="rId10"/>
   </p:sldIdLst>
   <p:sldSz cx="12192000" cy="6858000"/>
   <p:notesSz cx="6858000" cy="9144000"/>
@@ -3356,7 +3361,12 @@
             <p:ph type="ctrTitle"/>
           </p:nvPr>
         </p:nvSpPr>
-        <p:spPr/>
+        <p:spPr>
+          <a:xfrm>
+            <a:off x="1524000" y="1981199"/>
+            <a:ext cx="9144000" cy="1528763"/>
+          </a:xfrm>
+        </p:spPr>
         <p:txBody>
           <a:bodyPr/>
           <a:lstStyle/>
@@ -3403,7 +3413,7 @@
             </a:r>
             <a:r>
               <a:rPr lang="ru-RU" dirty="0"/>
-              <a:t>Брянская Екатерина Вадимовна</a:t>
+              <a:t>Брянская Екатерина Вадимовна, группа ИУ7-72Б</a:t>
             </a:r>
             <a:br>
               <a:rPr lang="ru-RU" dirty="0"/>
@@ -3418,7 +3428,7 @@
             </a:r>
             <a:r>
               <a:rPr lang="ru-RU" dirty="0"/>
-              <a:t>Иванов Всеволод Алексеевич</a:t>
+              <a:t>Иванов Всеволод Алексеевич, группа ИУ7-72Б</a:t>
             </a:r>
           </a:p>
           <a:p>
@@ -3453,8 +3463,8 @@
         </p:nvSpPr>
         <p:spPr>
           <a:xfrm>
-            <a:off x="1524000" y="472758"/>
-            <a:ext cx="9144000" cy="1655762"/>
+            <a:off x="1442720" y="1509078"/>
+            <a:ext cx="9144000" cy="472122"/>
           </a:xfrm>
           <a:prstGeom prst="rect">
             <a:avLst/>
@@ -3824,6 +3834,702 @@
 </file>
 
 <file path=ppt/slides/slide3.xml><?xml version="1.0" encoding="utf-8"?>
+<p:sld xmlns:a="http://schemas.openxmlformats.org/drawingml/2006/main" xmlns:r="http://schemas.openxmlformats.org/officeDocument/2006/relationships" xmlns:p="http://schemas.openxmlformats.org/presentationml/2006/main">
+  <p:cSld>
+    <p:spTree>
+      <p:nvGrpSpPr>
+        <p:cNvPr id="1" name=""/>
+        <p:cNvGrpSpPr/>
+        <p:nvPr/>
+      </p:nvGrpSpPr>
+      <p:grpSpPr>
+        <a:xfrm>
+          <a:off x="0" y="0"/>
+          <a:ext cx="0" cy="0"/>
+          <a:chOff x="0" y="0"/>
+          <a:chExt cx="0" cy="0"/>
+        </a:xfrm>
+      </p:grpSpPr>
+      <p:sp>
+        <p:nvSpPr>
+          <p:cNvPr id="2" name="Заголовок 1">
+            <a:extLst>
+              <a:ext uri="{FF2B5EF4-FFF2-40B4-BE49-F238E27FC236}">
+                <a16:creationId xmlns:a16="http://schemas.microsoft.com/office/drawing/2014/main" id="{CFE2EC95-3DCD-4C32-B199-2AA8DA311F33}"/>
+              </a:ext>
+            </a:extLst>
+          </p:cNvPr>
+          <p:cNvSpPr>
+            <a:spLocks noGrp="1"/>
+          </p:cNvSpPr>
+          <p:nvPr>
+            <p:ph type="title"/>
+          </p:nvPr>
+        </p:nvSpPr>
+        <p:spPr/>
+        <p:txBody>
+          <a:bodyPr/>
+          <a:lstStyle/>
+          <a:p>
+            <a:r>
+              <a:rPr lang="ru-RU" dirty="0"/>
+              <a:t>Актуальность задачи</a:t>
+            </a:r>
+          </a:p>
+        </p:txBody>
+      </p:sp>
+      <p:sp>
+        <p:nvSpPr>
+          <p:cNvPr id="3" name="Объект 2">
+            <a:extLst>
+              <a:ext uri="{FF2B5EF4-FFF2-40B4-BE49-F238E27FC236}">
+                <a16:creationId xmlns:a16="http://schemas.microsoft.com/office/drawing/2014/main" id="{435E1181-1C22-4E20-BD67-8EB45F01AC93}"/>
+              </a:ext>
+            </a:extLst>
+          </p:cNvPr>
+          <p:cNvSpPr>
+            <a:spLocks noGrp="1"/>
+          </p:cNvSpPr>
+          <p:nvPr>
+            <p:ph idx="1"/>
+          </p:nvPr>
+        </p:nvSpPr>
+        <p:spPr/>
+        <p:txBody>
+          <a:bodyPr>
+            <a:normAutofit/>
+          </a:bodyPr>
+          <a:lstStyle/>
+          <a:p>
+            <a:r>
+              <a:rPr lang="ru-RU" dirty="0"/>
+              <a:t>За последние время существенно возросли объёмы информации, передаваемой по сети Интернет.</a:t>
+            </a:r>
+          </a:p>
+          <a:p>
+            <a:r>
+              <a:rPr lang="ru-RU" dirty="0"/>
+              <a:t>Нагрузка на серверы будет постоянно расти, что ведёт к снижению скорости обмена данными с каждым клиентом.</a:t>
+            </a:r>
+          </a:p>
+          <a:p>
+            <a:r>
+              <a:rPr lang="ru-RU" dirty="0"/>
+              <a:t>Это чувствительно для загрузки файлов больших объёмов</a:t>
+            </a:r>
+          </a:p>
+          <a:p>
+            <a:r>
+              <a:rPr lang="ru-RU" dirty="0"/>
+              <a:t>Решением может быть кооперативный обмен файлами по протоколу </a:t>
+            </a:r>
+            <a:r>
+              <a:rPr lang="ru-RU" dirty="0" err="1"/>
+              <a:t>Bit</a:t>
+            </a:r>
+            <a:r>
+              <a:rPr lang="en-US" dirty="0"/>
+              <a:t>T</a:t>
+            </a:r>
+            <a:r>
+              <a:rPr lang="ru-RU" dirty="0" err="1"/>
+              <a:t>orrent</a:t>
+            </a:r>
+            <a:r>
+              <a:rPr lang="en-US" dirty="0"/>
+              <a:t>.</a:t>
+            </a:r>
+            <a:endParaRPr lang="ru-RU" dirty="0"/>
+          </a:p>
+          <a:p>
+            <a:endParaRPr lang="ru-RU" dirty="0"/>
+          </a:p>
+        </p:txBody>
+      </p:sp>
+    </p:spTree>
+    <p:extLst>
+      <p:ext uri="{BB962C8B-B14F-4D97-AF65-F5344CB8AC3E}">
+        <p14:creationId xmlns:p14="http://schemas.microsoft.com/office/powerpoint/2010/main" val="1252816052"/>
+      </p:ext>
+    </p:extLst>
+  </p:cSld>
+  <p:clrMapOvr>
+    <a:masterClrMapping/>
+  </p:clrMapOvr>
+</p:sld>
+</file>
+
+<file path=ppt/slides/slide4.xml><?xml version="1.0" encoding="utf-8"?>
+<p:sld xmlns:a="http://schemas.openxmlformats.org/drawingml/2006/main" xmlns:r="http://schemas.openxmlformats.org/officeDocument/2006/relationships" xmlns:p="http://schemas.openxmlformats.org/presentationml/2006/main">
+  <p:cSld>
+    <p:spTree>
+      <p:nvGrpSpPr>
+        <p:cNvPr id="1" name=""/>
+        <p:cNvGrpSpPr/>
+        <p:nvPr/>
+      </p:nvGrpSpPr>
+      <p:grpSpPr>
+        <a:xfrm>
+          <a:off x="0" y="0"/>
+          <a:ext cx="0" cy="0"/>
+          <a:chOff x="0" y="0"/>
+          <a:chExt cx="0" cy="0"/>
+        </a:xfrm>
+      </p:grpSpPr>
+      <p:sp>
+        <p:nvSpPr>
+          <p:cNvPr id="2" name="Заголовок 1">
+            <a:extLst>
+              <a:ext uri="{FF2B5EF4-FFF2-40B4-BE49-F238E27FC236}">
+                <a16:creationId xmlns:a16="http://schemas.microsoft.com/office/drawing/2014/main" id="{19AA2330-E8FE-470F-BA75-05F90787F1BE}"/>
+              </a:ext>
+            </a:extLst>
+          </p:cNvPr>
+          <p:cNvSpPr>
+            <a:spLocks noGrp="1"/>
+          </p:cNvSpPr>
+          <p:nvPr>
+            <p:ph type="title"/>
+          </p:nvPr>
+        </p:nvSpPr>
+        <p:spPr/>
+        <p:txBody>
+          <a:bodyPr/>
+          <a:lstStyle/>
+          <a:p>
+            <a:r>
+              <a:rPr lang="ru-RU" dirty="0"/>
+              <a:t>Описание протокола</a:t>
+            </a:r>
+          </a:p>
+        </p:txBody>
+      </p:sp>
+      <p:sp>
+        <p:nvSpPr>
+          <p:cNvPr id="3" name="Объект 2">
+            <a:extLst>
+              <a:ext uri="{FF2B5EF4-FFF2-40B4-BE49-F238E27FC236}">
+                <a16:creationId xmlns:a16="http://schemas.microsoft.com/office/drawing/2014/main" id="{4A7A160B-4EE8-4643-95C9-FD700FD81045}"/>
+              </a:ext>
+            </a:extLst>
+          </p:cNvPr>
+          <p:cNvSpPr>
+            <a:spLocks noGrp="1"/>
+          </p:cNvSpPr>
+          <p:nvPr>
+            <p:ph idx="1"/>
+          </p:nvPr>
+        </p:nvSpPr>
+        <p:spPr/>
+        <p:txBody>
+          <a:bodyPr/>
+          <a:lstStyle/>
+          <a:p>
+            <a:pPr marL="0" indent="0">
+              <a:buNone/>
+            </a:pPr>
+            <a:r>
+              <a:rPr lang="ru-RU" dirty="0" err="1"/>
+              <a:t>BitTorrent</a:t>
+            </a:r>
+            <a:r>
+              <a:rPr lang="ru-RU" dirty="0"/>
+              <a:t> — </a:t>
+            </a:r>
+            <a:r>
+              <a:rPr lang="en-US" dirty="0"/>
+              <a:t>peer-to-peer</a:t>
+            </a:r>
+            <a:r>
+              <a:rPr lang="ru-RU" dirty="0"/>
+              <a:t> протокол для кооперативного обмена файлами через по сети Интернет. В данном протоколе выделены две роли:</a:t>
+            </a:r>
+          </a:p>
+          <a:p>
+            <a:r>
+              <a:rPr lang="ru-RU" b="1" dirty="0"/>
+              <a:t>Пир (клиент)</a:t>
+            </a:r>
+            <a:r>
+              <a:rPr lang="ru-RU" dirty="0"/>
+              <a:t>. Хранят файлы и производит обмен их частями с другими пирами.</a:t>
+            </a:r>
+          </a:p>
+          <a:p>
+            <a:r>
+              <a:rPr lang="ru-RU" b="1" dirty="0" err="1"/>
+              <a:t>Трекер</a:t>
+            </a:r>
+            <a:r>
+              <a:rPr lang="ru-RU" b="1" dirty="0"/>
+              <a:t> (сервер)</a:t>
+            </a:r>
+            <a:r>
+              <a:rPr lang="ru-RU" dirty="0"/>
+              <a:t>. Хранит таблицу файлов и список пиров, имеющих данный файл в распоряжении.</a:t>
+            </a:r>
+          </a:p>
+          <a:p>
+            <a:pPr marL="0" indent="0">
+              <a:buNone/>
+            </a:pPr>
+            <a:r>
+              <a:rPr lang="ru-RU" dirty="0"/>
+              <a:t>Для скачивания файлов нужно обладать соответствующим </a:t>
+            </a:r>
+            <a:r>
+              <a:rPr lang="en-US" dirty="0"/>
+              <a:t>.torrent </a:t>
+            </a:r>
+            <a:r>
+              <a:rPr lang="ru-RU" dirty="0"/>
+              <a:t>файлом, хранящим метаинформацию о </a:t>
+            </a:r>
+            <a:r>
+              <a:rPr lang="ru-RU" dirty="0" err="1"/>
+              <a:t>трекере</a:t>
+            </a:r>
+            <a:r>
+              <a:rPr lang="ru-RU" dirty="0"/>
+              <a:t> и файлах.</a:t>
+            </a:r>
+          </a:p>
+          <a:p>
+            <a:endParaRPr lang="ru-RU" dirty="0"/>
+          </a:p>
+        </p:txBody>
+      </p:sp>
+    </p:spTree>
+    <p:extLst>
+      <p:ext uri="{BB962C8B-B14F-4D97-AF65-F5344CB8AC3E}">
+        <p14:creationId xmlns:p14="http://schemas.microsoft.com/office/powerpoint/2010/main" val="3938147356"/>
+      </p:ext>
+    </p:extLst>
+  </p:cSld>
+  <p:clrMapOvr>
+    <a:masterClrMapping/>
+  </p:clrMapOvr>
+</p:sld>
+</file>
+
+<file path=ppt/slides/slide5.xml><?xml version="1.0" encoding="utf-8"?>
+<p:sld xmlns:a="http://schemas.openxmlformats.org/drawingml/2006/main" xmlns:r="http://schemas.openxmlformats.org/officeDocument/2006/relationships" xmlns:p="http://schemas.openxmlformats.org/presentationml/2006/main">
+  <p:cSld>
+    <p:spTree>
+      <p:nvGrpSpPr>
+        <p:cNvPr id="1" name=""/>
+        <p:cNvGrpSpPr/>
+        <p:nvPr/>
+      </p:nvGrpSpPr>
+      <p:grpSpPr>
+        <a:xfrm>
+          <a:off x="0" y="0"/>
+          <a:ext cx="0" cy="0"/>
+          <a:chOff x="0" y="0"/>
+          <a:chExt cx="0" cy="0"/>
+        </a:xfrm>
+      </p:grpSpPr>
+      <p:sp>
+        <p:nvSpPr>
+          <p:cNvPr id="2" name="Заголовок 1">
+            <a:extLst>
+              <a:ext uri="{FF2B5EF4-FFF2-40B4-BE49-F238E27FC236}">
+                <a16:creationId xmlns:a16="http://schemas.microsoft.com/office/drawing/2014/main" id="{EC074A9C-0D1F-423C-B802-0756CC258F8B}"/>
+              </a:ext>
+            </a:extLst>
+          </p:cNvPr>
+          <p:cNvSpPr>
+            <a:spLocks noGrp="1"/>
+          </p:cNvSpPr>
+          <p:nvPr>
+            <p:ph type="title"/>
+          </p:nvPr>
+        </p:nvSpPr>
+        <p:spPr/>
+        <p:txBody>
+          <a:bodyPr/>
+          <a:lstStyle/>
+          <a:p>
+            <a:r>
+              <a:rPr lang="ru-RU" dirty="0"/>
+              <a:t>Описание протокола</a:t>
+            </a:r>
+          </a:p>
+        </p:txBody>
+      </p:sp>
+      <p:sp>
+        <p:nvSpPr>
+          <p:cNvPr id="3" name="Объект 2">
+            <a:extLst>
+              <a:ext uri="{FF2B5EF4-FFF2-40B4-BE49-F238E27FC236}">
+                <a16:creationId xmlns:a16="http://schemas.microsoft.com/office/drawing/2014/main" id="{9E95C9C7-2816-4BDD-AA9C-CEF664FF616F}"/>
+              </a:ext>
+            </a:extLst>
+          </p:cNvPr>
+          <p:cNvSpPr>
+            <a:spLocks noGrp="1"/>
+          </p:cNvSpPr>
+          <p:nvPr>
+            <p:ph idx="1"/>
+          </p:nvPr>
+        </p:nvSpPr>
+        <p:spPr/>
+        <p:txBody>
+          <a:bodyPr/>
+          <a:lstStyle/>
+          <a:p>
+            <a:r>
+              <a:rPr lang="ru-RU" dirty="0"/>
+              <a:t>Особенности обмена файлами</a:t>
+            </a:r>
+            <a:r>
+              <a:rPr lang="en-US" dirty="0"/>
+              <a:t>:</a:t>
+            </a:r>
+          </a:p>
+          <a:p>
+            <a:pPr lvl="1"/>
+            <a:r>
+              <a:rPr lang="ru-RU" dirty="0"/>
+              <a:t>Множество равноправных участников обмена</a:t>
+            </a:r>
+          </a:p>
+          <a:p>
+            <a:pPr lvl="1"/>
+            <a:r>
+              <a:rPr lang="ru-RU" dirty="0"/>
+              <a:t>Файл разбит на множество частей</a:t>
+            </a:r>
+          </a:p>
+          <a:p>
+            <a:pPr lvl="1"/>
+            <a:r>
+              <a:rPr lang="ru-RU" dirty="0"/>
+              <a:t>Одновременно может передаваться сразу большое количество разных частей</a:t>
+            </a:r>
+          </a:p>
+          <a:p>
+            <a:pPr marL="457200" lvl="1" indent="0">
+              <a:buNone/>
+            </a:pPr>
+            <a:endParaRPr lang="ru-RU" dirty="0"/>
+          </a:p>
+          <a:p>
+            <a:r>
+              <a:rPr lang="ru-RU" dirty="0"/>
+              <a:t>В начале работы клиент отправляет серверу </a:t>
+            </a:r>
+            <a:r>
+              <a:rPr lang="en-US" dirty="0"/>
+              <a:t>GET-</a:t>
+            </a:r>
+            <a:r>
+              <a:rPr lang="ru-RU" dirty="0"/>
+              <a:t>запрос.</a:t>
+            </a:r>
+          </a:p>
+          <a:p>
+            <a:r>
+              <a:rPr lang="ru-RU" dirty="0"/>
+              <a:t>По указанному </a:t>
+            </a:r>
+            <a:r>
+              <a:rPr lang="ru-RU" dirty="0" err="1"/>
+              <a:t>хеш</a:t>
+            </a:r>
+            <a:r>
+              <a:rPr lang="ru-RU" dirty="0"/>
+              <a:t>-коду файла </a:t>
+            </a:r>
+            <a:r>
+              <a:rPr lang="ru-RU" dirty="0" err="1"/>
+              <a:t>трекер</a:t>
+            </a:r>
+            <a:r>
+              <a:rPr lang="ru-RU" dirty="0"/>
+              <a:t> находит список адресов пиров и возвращает их в виде ответа</a:t>
+            </a:r>
+          </a:p>
+          <a:p>
+            <a:endParaRPr lang="ru-RU" dirty="0"/>
+          </a:p>
+        </p:txBody>
+      </p:sp>
+    </p:spTree>
+    <p:extLst>
+      <p:ext uri="{BB962C8B-B14F-4D97-AF65-F5344CB8AC3E}">
+        <p14:creationId xmlns:p14="http://schemas.microsoft.com/office/powerpoint/2010/main" val="2283064833"/>
+      </p:ext>
+    </p:extLst>
+  </p:cSld>
+  <p:clrMapOvr>
+    <a:masterClrMapping/>
+  </p:clrMapOvr>
+</p:sld>
+</file>
+
+<file path=ppt/slides/slide6.xml><?xml version="1.0" encoding="utf-8"?>
+<p:sld xmlns:a="http://schemas.openxmlformats.org/drawingml/2006/main" xmlns:r="http://schemas.openxmlformats.org/officeDocument/2006/relationships" xmlns:p="http://schemas.openxmlformats.org/presentationml/2006/main">
+  <p:cSld>
+    <p:spTree>
+      <p:nvGrpSpPr>
+        <p:cNvPr id="1" name=""/>
+        <p:cNvGrpSpPr/>
+        <p:nvPr/>
+      </p:nvGrpSpPr>
+      <p:grpSpPr>
+        <a:xfrm>
+          <a:off x="0" y="0"/>
+          <a:ext cx="0" cy="0"/>
+          <a:chOff x="0" y="0"/>
+          <a:chExt cx="0" cy="0"/>
+        </a:xfrm>
+      </p:grpSpPr>
+      <p:sp>
+        <p:nvSpPr>
+          <p:cNvPr id="2" name="Заголовок 1">
+            <a:extLst>
+              <a:ext uri="{FF2B5EF4-FFF2-40B4-BE49-F238E27FC236}">
+                <a16:creationId xmlns:a16="http://schemas.microsoft.com/office/drawing/2014/main" id="{407A329B-D461-4098-8951-FCA3DC69346F}"/>
+              </a:ext>
+            </a:extLst>
+          </p:cNvPr>
+          <p:cNvSpPr>
+            <a:spLocks noGrp="1"/>
+          </p:cNvSpPr>
+          <p:nvPr>
+            <p:ph type="title"/>
+          </p:nvPr>
+        </p:nvSpPr>
+        <p:spPr/>
+        <p:txBody>
+          <a:bodyPr/>
+          <a:lstStyle/>
+          <a:p>
+            <a:r>
+              <a:rPr lang="ru-RU" dirty="0"/>
+              <a:t>Описание протокола</a:t>
+            </a:r>
+          </a:p>
+        </p:txBody>
+      </p:sp>
+      <p:sp>
+        <p:nvSpPr>
+          <p:cNvPr id="3" name="Объект 2">
+            <a:extLst>
+              <a:ext uri="{FF2B5EF4-FFF2-40B4-BE49-F238E27FC236}">
+                <a16:creationId xmlns:a16="http://schemas.microsoft.com/office/drawing/2014/main" id="{F178D6F0-BC98-4043-A8F6-904EDA9CA32C}"/>
+              </a:ext>
+            </a:extLst>
+          </p:cNvPr>
+          <p:cNvSpPr>
+            <a:spLocks noGrp="1"/>
+          </p:cNvSpPr>
+          <p:nvPr>
+            <p:ph idx="1"/>
+          </p:nvPr>
+        </p:nvSpPr>
+        <p:spPr/>
+        <p:txBody>
+          <a:bodyPr/>
+          <a:lstStyle/>
+          <a:p>
+            <a:r>
+              <a:rPr lang="ru-RU" dirty="0"/>
+              <a:t>С каждым пиром из списка устанавливается соединение, производится</a:t>
+            </a:r>
+            <a:r>
+              <a:rPr lang="en-US" dirty="0"/>
+              <a:t> </a:t>
+            </a:r>
+            <a:r>
+              <a:rPr lang="ru-RU" dirty="0"/>
+              <a:t>рукопожатие (обмен </a:t>
+            </a:r>
+            <a:r>
+              <a:rPr lang="en-US" dirty="0"/>
+              <a:t>id,</a:t>
+            </a:r>
+            <a:r>
+              <a:rPr lang="ru-RU" dirty="0"/>
+              <a:t> сверка </a:t>
+            </a:r>
+            <a:r>
+              <a:rPr lang="ru-RU" dirty="0" err="1"/>
+              <a:t>хешей</a:t>
+            </a:r>
+            <a:r>
+              <a:rPr lang="ru-RU" dirty="0"/>
+              <a:t>).</a:t>
+            </a:r>
+          </a:p>
+          <a:p>
+            <a:r>
+              <a:rPr lang="ru-RU" dirty="0"/>
+              <a:t>Далее производится обмен битовыми картами имеющихся частей файла.</a:t>
+            </a:r>
+          </a:p>
+          <a:p>
+            <a:r>
+              <a:rPr lang="ru-RU" dirty="0"/>
+              <a:t>Пиры запрашивают друг у друга недостающие части и сразу по загрузке начинают их раздачу для других пиров.</a:t>
+            </a:r>
+          </a:p>
+          <a:p>
+            <a:r>
+              <a:rPr lang="ru-RU" dirty="0"/>
+              <a:t>Приоритет обмена отдаётся наиболее редким кускам. Целью протокола является достижение равной распространённости для всех частей файла. </a:t>
+            </a:r>
+          </a:p>
+        </p:txBody>
+      </p:sp>
+    </p:spTree>
+    <p:extLst>
+      <p:ext uri="{BB962C8B-B14F-4D97-AF65-F5344CB8AC3E}">
+        <p14:creationId xmlns:p14="http://schemas.microsoft.com/office/powerpoint/2010/main" val="3220099096"/>
+      </p:ext>
+    </p:extLst>
+  </p:cSld>
+  <p:clrMapOvr>
+    <a:masterClrMapping/>
+  </p:clrMapOvr>
+</p:sld>
+</file>
+
+<file path=ppt/slides/slide7.xml><?xml version="1.0" encoding="utf-8"?>
+<p:sld xmlns:a="http://schemas.openxmlformats.org/drawingml/2006/main" xmlns:r="http://schemas.openxmlformats.org/officeDocument/2006/relationships" xmlns:p="http://schemas.openxmlformats.org/presentationml/2006/main">
+  <p:cSld>
+    <p:spTree>
+      <p:nvGrpSpPr>
+        <p:cNvPr id="1" name=""/>
+        <p:cNvGrpSpPr/>
+        <p:nvPr/>
+      </p:nvGrpSpPr>
+      <p:grpSpPr>
+        <a:xfrm>
+          <a:off x="0" y="0"/>
+          <a:ext cx="0" cy="0"/>
+          <a:chOff x="0" y="0"/>
+          <a:chExt cx="0" cy="0"/>
+        </a:xfrm>
+      </p:grpSpPr>
+      <p:sp>
+        <p:nvSpPr>
+          <p:cNvPr id="2" name="Заголовок 1">
+            <a:extLst>
+              <a:ext uri="{FF2B5EF4-FFF2-40B4-BE49-F238E27FC236}">
+                <a16:creationId xmlns:a16="http://schemas.microsoft.com/office/drawing/2014/main" id="{A22BACAE-9320-4290-A225-9ED13A2D2AEF}"/>
+              </a:ext>
+            </a:extLst>
+          </p:cNvPr>
+          <p:cNvSpPr>
+            <a:spLocks noGrp="1"/>
+          </p:cNvSpPr>
+          <p:nvPr>
+            <p:ph type="title"/>
+          </p:nvPr>
+        </p:nvSpPr>
+        <p:spPr/>
+        <p:txBody>
+          <a:bodyPr/>
+          <a:lstStyle/>
+          <a:p>
+            <a:r>
+              <a:rPr lang="en-US" dirty="0"/>
+              <a:t>UML </a:t>
+            </a:r>
+            <a:r>
+              <a:rPr lang="ru-RU" dirty="0"/>
+              <a:t>диаграмма</a:t>
+            </a:r>
+          </a:p>
+        </p:txBody>
+      </p:sp>
+      <p:pic>
+        <p:nvPicPr>
+          <p:cNvPr id="5" name="Объект 4">
+            <a:extLst>
+              <a:ext uri="{FF2B5EF4-FFF2-40B4-BE49-F238E27FC236}">
+                <a16:creationId xmlns:a16="http://schemas.microsoft.com/office/drawing/2014/main" id="{7CEC6D2B-7D0A-4E70-A6AB-314E7157D627}"/>
+              </a:ext>
+            </a:extLst>
+          </p:cNvPr>
+          <p:cNvPicPr>
+            <a:picLocks noGrp="1" noChangeAspect="1"/>
+          </p:cNvPicPr>
+          <p:nvPr>
+            <p:ph idx="1"/>
+          </p:nvPr>
+        </p:nvPicPr>
+        <p:blipFill>
+          <a:blip r:embed="rId2">
+            <a:extLst>
+              <a:ext uri="{28A0092B-C50C-407E-A947-70E740481C1C}">
+                <a14:useLocalDpi xmlns:a14="http://schemas.microsoft.com/office/drawing/2010/main" val="0"/>
+              </a:ext>
+            </a:extLst>
+          </a:blip>
+          <a:stretch>
+            <a:fillRect/>
+          </a:stretch>
+        </p:blipFill>
+        <p:spPr>
+          <a:xfrm>
+            <a:off x="5912757" y="233045"/>
+            <a:ext cx="6279243" cy="6624955"/>
+          </a:xfrm>
+        </p:spPr>
+      </p:pic>
+      <p:pic>
+        <p:nvPicPr>
+          <p:cNvPr id="7" name="Рисунок 6">
+            <a:extLst>
+              <a:ext uri="{FF2B5EF4-FFF2-40B4-BE49-F238E27FC236}">
+                <a16:creationId xmlns:a16="http://schemas.microsoft.com/office/drawing/2014/main" id="{8218896F-80B5-4F13-A8DC-4F7BCB4DE3F0}"/>
+              </a:ext>
+            </a:extLst>
+          </p:cNvPr>
+          <p:cNvPicPr>
+            <a:picLocks noChangeAspect="1"/>
+          </p:cNvPicPr>
+          <p:nvPr/>
+        </p:nvPicPr>
+        <p:blipFill>
+          <a:blip r:embed="rId3">
+            <a:extLst>
+              <a:ext uri="{28A0092B-C50C-407E-A947-70E740481C1C}">
+                <a14:useLocalDpi xmlns:a14="http://schemas.microsoft.com/office/drawing/2010/main" val="0"/>
+              </a:ext>
+            </a:extLst>
+          </a:blip>
+          <a:stretch>
+            <a:fillRect/>
+          </a:stretch>
+        </p:blipFill>
+        <p:spPr>
+          <a:xfrm>
+            <a:off x="838200" y="1489875"/>
+            <a:ext cx="4526280" cy="5368125"/>
+          </a:xfrm>
+          <a:prstGeom prst="rect">
+            <a:avLst/>
+          </a:prstGeom>
+        </p:spPr>
+      </p:pic>
+    </p:spTree>
+    <p:extLst>
+      <p:ext uri="{BB962C8B-B14F-4D97-AF65-F5344CB8AC3E}">
+        <p14:creationId xmlns:p14="http://schemas.microsoft.com/office/powerpoint/2010/main" val="2938386590"/>
+      </p:ext>
+    </p:extLst>
+  </p:cSld>
+  <p:clrMapOvr>
+    <a:masterClrMapping/>
+  </p:clrMapOvr>
+</p:sld>
+</file>
+
+<file path=ppt/slides/slide8.xml><?xml version="1.0" encoding="utf-8"?>
 <p:sld xmlns:a="http://schemas.openxmlformats.org/drawingml/2006/main" xmlns:r="http://schemas.openxmlformats.org/officeDocument/2006/relationships" xmlns:p="http://schemas.openxmlformats.org/presentationml/2006/main">
   <p:cSld>
     <p:spTree>
@@ -4130,8 +4836,8 @@
         </p:blipFill>
         <p:spPr>
           <a:xfrm>
-            <a:off x="6265538" y="3151186"/>
-            <a:ext cx="5926462" cy="3706813"/>
+            <a:off x="6274384" y="3151186"/>
+            <a:ext cx="5908770" cy="3706813"/>
           </a:xfrm>
           <a:prstGeom prst="rect">
             <a:avLst/>
@@ -4151,7 +4857,7 @@
 </p:sld>
 </file>
 
-<file path=ppt/slides/slide4.xml><?xml version="1.0" encoding="utf-8"?>
+<file path=ppt/slides/slide9.xml><?xml version="1.0" encoding="utf-8"?>
 <p:sld xmlns:a="http://schemas.openxmlformats.org/drawingml/2006/main" xmlns:r="http://schemas.openxmlformats.org/officeDocument/2006/relationships" xmlns:p="http://schemas.openxmlformats.org/presentationml/2006/main">
   <p:cSld>
     <p:spTree>
